--- a/Other/Presentation/Online E-Commerce Vendor Varification System.pptx
+++ b/Other/Presentation/Online E-Commerce Vendor Varification System.pptx
@@ -283,7 +283,7 @@
           <a:p>
             <a:fld id="{6B66AD2F-EC9C-4022-972B-8216487CE760}" type="datetimeFigureOut">
               <a:rPr lang="en-US" smtClean="0"/>
-              <a:t>4/29/2022</a:t>
+              <a:t>5/15/2022</a:t>
             </a:fld>
             <a:endParaRPr lang="en-US"/>
           </a:p>
@@ -453,7 +453,7 @@
           <a:p>
             <a:fld id="{6B66AD2F-EC9C-4022-972B-8216487CE760}" type="datetimeFigureOut">
               <a:rPr lang="en-US" smtClean="0"/>
-              <a:t>4/29/2022</a:t>
+              <a:t>5/15/2022</a:t>
             </a:fld>
             <a:endParaRPr lang="en-US"/>
           </a:p>
@@ -633,7 +633,7 @@
           <a:p>
             <a:fld id="{6B66AD2F-EC9C-4022-972B-8216487CE760}" type="datetimeFigureOut">
               <a:rPr lang="en-US" smtClean="0"/>
-              <a:t>4/29/2022</a:t>
+              <a:t>5/15/2022</a:t>
             </a:fld>
             <a:endParaRPr lang="en-US"/>
           </a:p>
@@ -803,7 +803,7 @@
           <a:p>
             <a:fld id="{6B66AD2F-EC9C-4022-972B-8216487CE760}" type="datetimeFigureOut">
               <a:rPr lang="en-US" smtClean="0"/>
-              <a:t>4/29/2022</a:t>
+              <a:t>5/15/2022</a:t>
             </a:fld>
             <a:endParaRPr lang="en-US"/>
           </a:p>
@@ -1047,7 +1047,7 @@
           <a:p>
             <a:fld id="{6B66AD2F-EC9C-4022-972B-8216487CE760}" type="datetimeFigureOut">
               <a:rPr lang="en-US" smtClean="0"/>
-              <a:t>4/29/2022</a:t>
+              <a:t>5/15/2022</a:t>
             </a:fld>
             <a:endParaRPr lang="en-US"/>
           </a:p>
@@ -1279,7 +1279,7 @@
           <a:p>
             <a:fld id="{6B66AD2F-EC9C-4022-972B-8216487CE760}" type="datetimeFigureOut">
               <a:rPr lang="en-US" smtClean="0"/>
-              <a:t>4/29/2022</a:t>
+              <a:t>5/15/2022</a:t>
             </a:fld>
             <a:endParaRPr lang="en-US"/>
           </a:p>
@@ -1646,7 +1646,7 @@
           <a:p>
             <a:fld id="{6B66AD2F-EC9C-4022-972B-8216487CE760}" type="datetimeFigureOut">
               <a:rPr lang="en-US" smtClean="0"/>
-              <a:t>4/29/2022</a:t>
+              <a:t>5/15/2022</a:t>
             </a:fld>
             <a:endParaRPr lang="en-US"/>
           </a:p>
@@ -1764,7 +1764,7 @@
           <a:p>
             <a:fld id="{6B66AD2F-EC9C-4022-972B-8216487CE760}" type="datetimeFigureOut">
               <a:rPr lang="en-US" smtClean="0"/>
-              <a:t>4/29/2022</a:t>
+              <a:t>5/15/2022</a:t>
             </a:fld>
             <a:endParaRPr lang="en-US"/>
           </a:p>
@@ -1859,7 +1859,7 @@
           <a:p>
             <a:fld id="{6B66AD2F-EC9C-4022-972B-8216487CE760}" type="datetimeFigureOut">
               <a:rPr lang="en-US" smtClean="0"/>
-              <a:t>4/29/2022</a:t>
+              <a:t>5/15/2022</a:t>
             </a:fld>
             <a:endParaRPr lang="en-US"/>
           </a:p>
@@ -2136,7 +2136,7 @@
           <a:p>
             <a:fld id="{6B66AD2F-EC9C-4022-972B-8216487CE760}" type="datetimeFigureOut">
               <a:rPr lang="en-US" smtClean="0"/>
-              <a:t>4/29/2022</a:t>
+              <a:t>5/15/2022</a:t>
             </a:fld>
             <a:endParaRPr lang="en-US"/>
           </a:p>
@@ -2393,7 +2393,7 @@
           <a:p>
             <a:fld id="{6B66AD2F-EC9C-4022-972B-8216487CE760}" type="datetimeFigureOut">
               <a:rPr lang="en-US" smtClean="0"/>
-              <a:t>4/29/2022</a:t>
+              <a:t>5/15/2022</a:t>
             </a:fld>
             <a:endParaRPr lang="en-US"/>
           </a:p>
@@ -2606,7 +2606,7 @@
           <a:p>
             <a:fld id="{6B66AD2F-EC9C-4022-972B-8216487CE760}" type="datetimeFigureOut">
               <a:rPr lang="en-US" smtClean="0"/>
-              <a:t>4/29/2022</a:t>
+              <a:t>5/15/2022</a:t>
             </a:fld>
             <a:endParaRPr lang="en-US"/>
           </a:p>
@@ -6800,7 +6800,7 @@
             </a:pPr>
             <a:r>
               <a:rPr lang="en-US" sz="2800" dirty="0"/>
-              <a:t>It is user friendly system.</a:t>
+              <a:t>It is a user-friendly system.</a:t>
             </a:r>
           </a:p>
           <a:p>
